--- a/predavanja/prezentacije/IP02-01-Veb serveri.pptx
+++ b/predavanja/prezentacije/IP02-01-Veb serveri.pptx
@@ -260,7 +260,7 @@
           <a:p>
             <a:fld id="{6B3683FA-0560-4266-A2CA-8A7D404C35FD}" type="datetimeFigureOut">
               <a:rPr lang="en-US" smtClean="0"/>
-              <a:t>10/2/2016</a:t>
+              <a:t>10/22/2018</a:t>
             </a:fld>
             <a:endParaRPr lang="en-US"/>
           </a:p>
@@ -11640,15 +11640,7 @@
                   <a:srgbClr val="FFFFFF"/>
                 </a:solidFill>
               </a:rPr>
-              <a:t>в</a:t>
-            </a:r>
-            <a:r>
-              <a:rPr lang="sr-Cyrl-RS" altLang="en-US" sz="5400" dirty="0" smtClean="0">
-                <a:solidFill>
-                  <a:srgbClr val="FFFFFF"/>
-                </a:solidFill>
-              </a:rPr>
-              <a:t>еб сервер </a:t>
+              <a:t>веб сервер </a:t>
             </a:r>
             <a:endParaRPr lang="en-US" altLang="en-US" sz="5400" dirty="0" smtClean="0">
               <a:solidFill>

--- a/predavanja/prezentacije/IP02-01-Veb serveri.pptx
+++ b/predavanja/prezentacije/IP02-01-Veb serveri.pptx
@@ -260,7 +260,7 @@
           <a:p>
             <a:fld id="{6B3683FA-0560-4266-A2CA-8A7D404C35FD}" type="datetimeFigureOut">
               <a:rPr lang="en-US" smtClean="0"/>
-              <a:t>10/22/2018</a:t>
+              <a:t>11/14/2018</a:t>
             </a:fld>
             <a:endParaRPr lang="en-US"/>
           </a:p>
@@ -1889,7 +1889,7 @@
           <p:cNvSpPr txBox="1">
             <a:spLocks noChangeArrowheads="1"/>
           </p:cNvSpPr>
-          <p:nvPr userDrawn="1"/>
+          <p:nvPr/>
         </p:nvSpPr>
         <p:spPr bwMode="auto">
           <a:xfrm>
@@ -2266,7 +2266,7 @@
           <p:cNvSpPr txBox="1">
             <a:spLocks noChangeArrowheads="1"/>
           </p:cNvSpPr>
-          <p:nvPr userDrawn="1"/>
+          <p:nvPr/>
         </p:nvSpPr>
         <p:spPr bwMode="auto">
           <a:xfrm>
@@ -2442,7 +2442,7 @@
           <p:cNvPicPr>
             <a:picLocks noChangeAspect="1" noChangeArrowheads="1"/>
           </p:cNvPicPr>
-          <p:nvPr userDrawn="1"/>
+          <p:nvPr/>
         </p:nvPicPr>
         <p:blipFill>
           <a:blip r:embed="rId8">
@@ -14708,7 +14708,23 @@
             </a:r>
             <a:r>
               <a:rPr lang="sr-Cyrl-RS" altLang="en-US" dirty="0" smtClean="0"/>
-              <a:t>То је мрежни протокол са карактетистикама које се односе на веб, али он се ослања на </a:t>
+              <a:t>То је мрежни протокол </a:t>
+            </a:r>
+            <a:r>
+              <a:rPr lang="sr-Cyrl-RS" altLang="en-US" smtClean="0"/>
+              <a:t>са каракте</a:t>
+            </a:r>
+            <a:r>
+              <a:rPr lang="sr-Cyrl-RS" altLang="en-US"/>
+              <a:t>р</a:t>
+            </a:r>
+            <a:r>
+              <a:rPr lang="sr-Cyrl-RS" altLang="en-US" smtClean="0"/>
+              <a:t>истикама </a:t>
+            </a:r>
+            <a:r>
+              <a:rPr lang="sr-Cyrl-RS" altLang="en-US" dirty="0" smtClean="0"/>
+              <a:t>које се односе на веб, али он се ослања на </a:t>
             </a:r>
             <a:r>
               <a:rPr lang="en-US" altLang="en-US" dirty="0"/>
